--- a/ppt 16-9/1481.宝血中的释放.pptx
+++ b/ppt 16-9/1481.宝血中的释放.pptx
@@ -129,7 +129,7 @@
           <p:cNvPr id="2" name="标题 1">
             <a:extLst>
               <a:ext uri="{FF2B5EF4-FFF2-40B4-BE49-F238E27FC236}">
-                <a16:creationId xmlns:a16="http://schemas.microsoft.com/office/drawing/2014/main" id="{1483E558-9C65-4420-58FC-BF5D7FAE9BE2}"/>
+                <a16:creationId xmlns:a16="http://schemas.microsoft.com/office/drawing/2014/main" id="{16BB6222-8C65-1DCA-49FB-40AD21C7F77E}"/>
               </a:ext>
             </a:extLst>
           </p:cNvPr>
@@ -166,7 +166,7 @@
           <p:cNvPr id="3" name="副标题 2">
             <a:extLst>
               <a:ext uri="{FF2B5EF4-FFF2-40B4-BE49-F238E27FC236}">
-                <a16:creationId xmlns:a16="http://schemas.microsoft.com/office/drawing/2014/main" id="{06A2A4F3-7F89-0349-9757-A239DB20EA31}"/>
+                <a16:creationId xmlns:a16="http://schemas.microsoft.com/office/drawing/2014/main" id="{1FC22196-385F-7E81-61EC-D7461763CDF2}"/>
               </a:ext>
             </a:extLst>
           </p:cNvPr>
@@ -236,7 +236,7 @@
           <p:cNvPr id="4" name="日期占位符 3">
             <a:extLst>
               <a:ext uri="{FF2B5EF4-FFF2-40B4-BE49-F238E27FC236}">
-                <a16:creationId xmlns:a16="http://schemas.microsoft.com/office/drawing/2014/main" id="{4F8AD3D4-4226-76D1-22A4-EE9D08E8639A}"/>
+                <a16:creationId xmlns:a16="http://schemas.microsoft.com/office/drawing/2014/main" id="{E1187F39-191B-E511-B126-9003E0532B77}"/>
               </a:ext>
             </a:extLst>
           </p:cNvPr>
@@ -252,7 +252,7 @@
           <a:bodyPr/>
           <a:lstStyle/>
           <a:p>
-            <a:fld id="{7CBB9263-3542-4C7E-82A8-398A3532136A}" type="datetimeFigureOut">
+            <a:fld id="{482E90E5-B81A-4AA3-935B-6D58502FAF70}" type="datetimeFigureOut">
               <a:rPr lang="zh-CN" altLang="en-US" smtClean="0"/>
               <a:t>2024/3/10</a:t>
             </a:fld>
@@ -265,7 +265,7 @@
           <p:cNvPr id="5" name="页脚占位符 4">
             <a:extLst>
               <a:ext uri="{FF2B5EF4-FFF2-40B4-BE49-F238E27FC236}">
-                <a16:creationId xmlns:a16="http://schemas.microsoft.com/office/drawing/2014/main" id="{A47BC0A2-8E6B-7605-5529-F35509DF2F27}"/>
+                <a16:creationId xmlns:a16="http://schemas.microsoft.com/office/drawing/2014/main" id="{4C2695EE-56D0-319F-3CCA-E7B7EDC25936}"/>
               </a:ext>
             </a:extLst>
           </p:cNvPr>
@@ -290,7 +290,7 @@
           <p:cNvPr id="6" name="灯片编号占位符 5">
             <a:extLst>
               <a:ext uri="{FF2B5EF4-FFF2-40B4-BE49-F238E27FC236}">
-                <a16:creationId xmlns:a16="http://schemas.microsoft.com/office/drawing/2014/main" id="{A5B67603-0DF7-DDE4-B82E-BF06B9FA6587}"/>
+                <a16:creationId xmlns:a16="http://schemas.microsoft.com/office/drawing/2014/main" id="{2B538D1A-7F09-0D14-87C6-88F4CF8FE6F9}"/>
               </a:ext>
             </a:extLst>
           </p:cNvPr>
@@ -306,7 +306,7 @@
           <a:bodyPr/>
           <a:lstStyle/>
           <a:p>
-            <a:fld id="{1B52FC27-E7F6-4981-9BAF-7264B551FC58}" type="slidenum">
+            <a:fld id="{AB1A4CDD-CDD3-4C1F-A5F6-9D5C38597D1B}" type="slidenum">
               <a:rPr lang="zh-CN" altLang="en-US" smtClean="0"/>
               <a:t>‹#›</a:t>
             </a:fld>
@@ -317,7 +317,7 @@
     </p:spTree>
     <p:extLst>
       <p:ext uri="{BB962C8B-B14F-4D97-AF65-F5344CB8AC3E}">
-        <p14:creationId xmlns:p14="http://schemas.microsoft.com/office/powerpoint/2010/main" val="964833229"/>
+        <p14:creationId xmlns:p14="http://schemas.microsoft.com/office/powerpoint/2010/main" val="2429370503"/>
       </p:ext>
     </p:extLst>
   </p:cSld>
@@ -349,7 +349,7 @@
           <p:cNvPr id="2" name="标题 1">
             <a:extLst>
               <a:ext uri="{FF2B5EF4-FFF2-40B4-BE49-F238E27FC236}">
-                <a16:creationId xmlns:a16="http://schemas.microsoft.com/office/drawing/2014/main" id="{3FCBE015-A45C-3B66-E42B-9BBF8133F4C3}"/>
+                <a16:creationId xmlns:a16="http://schemas.microsoft.com/office/drawing/2014/main" id="{CE362212-B79D-9B4D-6C2D-BA3D99F67C02}"/>
               </a:ext>
             </a:extLst>
           </p:cNvPr>
@@ -377,7 +377,7 @@
           <p:cNvPr id="3" name="竖排文字占位符 2">
             <a:extLst>
               <a:ext uri="{FF2B5EF4-FFF2-40B4-BE49-F238E27FC236}">
-                <a16:creationId xmlns:a16="http://schemas.microsoft.com/office/drawing/2014/main" id="{FEEF75AD-10CE-7ADD-612E-83632B2FCB66}"/>
+                <a16:creationId xmlns:a16="http://schemas.microsoft.com/office/drawing/2014/main" id="{453F132E-BEAA-E240-8D8D-379470358E48}"/>
               </a:ext>
             </a:extLst>
           </p:cNvPr>
@@ -434,7 +434,7 @@
           <p:cNvPr id="4" name="日期占位符 3">
             <a:extLst>
               <a:ext uri="{FF2B5EF4-FFF2-40B4-BE49-F238E27FC236}">
-                <a16:creationId xmlns:a16="http://schemas.microsoft.com/office/drawing/2014/main" id="{E22F8355-C890-E836-2FFC-05241A916252}"/>
+                <a16:creationId xmlns:a16="http://schemas.microsoft.com/office/drawing/2014/main" id="{E7243810-91E3-7A2C-F5E0-1050C4632A38}"/>
               </a:ext>
             </a:extLst>
           </p:cNvPr>
@@ -450,7 +450,7 @@
           <a:bodyPr/>
           <a:lstStyle/>
           <a:p>
-            <a:fld id="{7CBB9263-3542-4C7E-82A8-398A3532136A}" type="datetimeFigureOut">
+            <a:fld id="{482E90E5-B81A-4AA3-935B-6D58502FAF70}" type="datetimeFigureOut">
               <a:rPr lang="zh-CN" altLang="en-US" smtClean="0"/>
               <a:t>2024/3/10</a:t>
             </a:fld>
@@ -463,7 +463,7 @@
           <p:cNvPr id="5" name="页脚占位符 4">
             <a:extLst>
               <a:ext uri="{FF2B5EF4-FFF2-40B4-BE49-F238E27FC236}">
-                <a16:creationId xmlns:a16="http://schemas.microsoft.com/office/drawing/2014/main" id="{D77FAF2E-3BC3-F832-C1C4-E8752AE6CDFB}"/>
+                <a16:creationId xmlns:a16="http://schemas.microsoft.com/office/drawing/2014/main" id="{658AB9EC-19E6-779A-9B00-0CC4020C00F7}"/>
               </a:ext>
             </a:extLst>
           </p:cNvPr>
@@ -488,7 +488,7 @@
           <p:cNvPr id="6" name="灯片编号占位符 5">
             <a:extLst>
               <a:ext uri="{FF2B5EF4-FFF2-40B4-BE49-F238E27FC236}">
-                <a16:creationId xmlns:a16="http://schemas.microsoft.com/office/drawing/2014/main" id="{DCA3DADB-8014-246D-874A-27765A7559AD}"/>
+                <a16:creationId xmlns:a16="http://schemas.microsoft.com/office/drawing/2014/main" id="{8A9A2F20-453F-E29F-DFB0-52C378819156}"/>
               </a:ext>
             </a:extLst>
           </p:cNvPr>
@@ -504,7 +504,7 @@
           <a:bodyPr/>
           <a:lstStyle/>
           <a:p>
-            <a:fld id="{1B52FC27-E7F6-4981-9BAF-7264B551FC58}" type="slidenum">
+            <a:fld id="{AB1A4CDD-CDD3-4C1F-A5F6-9D5C38597D1B}" type="slidenum">
               <a:rPr lang="zh-CN" altLang="en-US" smtClean="0"/>
               <a:t>‹#›</a:t>
             </a:fld>
@@ -515,7 +515,7 @@
     </p:spTree>
     <p:extLst>
       <p:ext uri="{BB962C8B-B14F-4D97-AF65-F5344CB8AC3E}">
-        <p14:creationId xmlns:p14="http://schemas.microsoft.com/office/powerpoint/2010/main" val="3260980519"/>
+        <p14:creationId xmlns:p14="http://schemas.microsoft.com/office/powerpoint/2010/main" val="3754181180"/>
       </p:ext>
     </p:extLst>
   </p:cSld>
@@ -547,7 +547,7 @@
           <p:cNvPr id="2" name="竖排标题 1">
             <a:extLst>
               <a:ext uri="{FF2B5EF4-FFF2-40B4-BE49-F238E27FC236}">
-                <a16:creationId xmlns:a16="http://schemas.microsoft.com/office/drawing/2014/main" id="{B43FED92-5CB4-C27A-D1E7-2F7C3760C929}"/>
+                <a16:creationId xmlns:a16="http://schemas.microsoft.com/office/drawing/2014/main" id="{EE57EEDD-0669-D380-DA48-CB06FDF60E1D}"/>
               </a:ext>
             </a:extLst>
           </p:cNvPr>
@@ -580,7 +580,7 @@
           <p:cNvPr id="3" name="竖排文字占位符 2">
             <a:extLst>
               <a:ext uri="{FF2B5EF4-FFF2-40B4-BE49-F238E27FC236}">
-                <a16:creationId xmlns:a16="http://schemas.microsoft.com/office/drawing/2014/main" id="{9CFA90B8-CD42-A58E-2899-D674DE9E8D30}"/>
+                <a16:creationId xmlns:a16="http://schemas.microsoft.com/office/drawing/2014/main" id="{E6287081-D381-E84F-4D8C-6F684488E326}"/>
               </a:ext>
             </a:extLst>
           </p:cNvPr>
@@ -642,7 +642,7 @@
           <p:cNvPr id="4" name="日期占位符 3">
             <a:extLst>
               <a:ext uri="{FF2B5EF4-FFF2-40B4-BE49-F238E27FC236}">
-                <a16:creationId xmlns:a16="http://schemas.microsoft.com/office/drawing/2014/main" id="{8ADBC870-AFE2-05CF-C1E8-2AF2784D5F88}"/>
+                <a16:creationId xmlns:a16="http://schemas.microsoft.com/office/drawing/2014/main" id="{CACCFCF6-293F-CF64-BE53-A92F197590E4}"/>
               </a:ext>
             </a:extLst>
           </p:cNvPr>
@@ -658,7 +658,7 @@
           <a:bodyPr/>
           <a:lstStyle/>
           <a:p>
-            <a:fld id="{7CBB9263-3542-4C7E-82A8-398A3532136A}" type="datetimeFigureOut">
+            <a:fld id="{482E90E5-B81A-4AA3-935B-6D58502FAF70}" type="datetimeFigureOut">
               <a:rPr lang="zh-CN" altLang="en-US" smtClean="0"/>
               <a:t>2024/3/10</a:t>
             </a:fld>
@@ -671,7 +671,7 @@
           <p:cNvPr id="5" name="页脚占位符 4">
             <a:extLst>
               <a:ext uri="{FF2B5EF4-FFF2-40B4-BE49-F238E27FC236}">
-                <a16:creationId xmlns:a16="http://schemas.microsoft.com/office/drawing/2014/main" id="{65125B59-B08A-C789-1FB8-63FDC6329750}"/>
+                <a16:creationId xmlns:a16="http://schemas.microsoft.com/office/drawing/2014/main" id="{84752F70-05D1-5AB2-F913-F9DAF2658F10}"/>
               </a:ext>
             </a:extLst>
           </p:cNvPr>
@@ -696,7 +696,7 @@
           <p:cNvPr id="6" name="灯片编号占位符 5">
             <a:extLst>
               <a:ext uri="{FF2B5EF4-FFF2-40B4-BE49-F238E27FC236}">
-                <a16:creationId xmlns:a16="http://schemas.microsoft.com/office/drawing/2014/main" id="{78BE6516-CDA0-C666-CFDA-01C45D9F39A3}"/>
+                <a16:creationId xmlns:a16="http://schemas.microsoft.com/office/drawing/2014/main" id="{77605729-DE49-2749-009C-DDA83C4CF385}"/>
               </a:ext>
             </a:extLst>
           </p:cNvPr>
@@ -712,7 +712,7 @@
           <a:bodyPr/>
           <a:lstStyle/>
           <a:p>
-            <a:fld id="{1B52FC27-E7F6-4981-9BAF-7264B551FC58}" type="slidenum">
+            <a:fld id="{AB1A4CDD-CDD3-4C1F-A5F6-9D5C38597D1B}" type="slidenum">
               <a:rPr lang="zh-CN" altLang="en-US" smtClean="0"/>
               <a:t>‹#›</a:t>
             </a:fld>
@@ -723,7 +723,7 @@
     </p:spTree>
     <p:extLst>
       <p:ext uri="{BB962C8B-B14F-4D97-AF65-F5344CB8AC3E}">
-        <p14:creationId xmlns:p14="http://schemas.microsoft.com/office/powerpoint/2010/main" val="1878000360"/>
+        <p14:creationId xmlns:p14="http://schemas.microsoft.com/office/powerpoint/2010/main" val="823319086"/>
       </p:ext>
     </p:extLst>
   </p:cSld>
@@ -755,7 +755,7 @@
           <p:cNvPr id="2" name="标题 1">
             <a:extLst>
               <a:ext uri="{FF2B5EF4-FFF2-40B4-BE49-F238E27FC236}">
-                <a16:creationId xmlns:a16="http://schemas.microsoft.com/office/drawing/2014/main" id="{34EF1CE9-A9AD-81C6-47D3-C732078573CF}"/>
+                <a16:creationId xmlns:a16="http://schemas.microsoft.com/office/drawing/2014/main" id="{70F55D20-A371-1C95-8D98-47DC1C6E8AE4}"/>
               </a:ext>
             </a:extLst>
           </p:cNvPr>
@@ -783,7 +783,7 @@
           <p:cNvPr id="3" name="内容占位符 2">
             <a:extLst>
               <a:ext uri="{FF2B5EF4-FFF2-40B4-BE49-F238E27FC236}">
-                <a16:creationId xmlns:a16="http://schemas.microsoft.com/office/drawing/2014/main" id="{812CF932-C909-3024-C2E8-016A274B87FC}"/>
+                <a16:creationId xmlns:a16="http://schemas.microsoft.com/office/drawing/2014/main" id="{B47688BA-6344-47EF-8429-1DBF6E9088E8}"/>
               </a:ext>
             </a:extLst>
           </p:cNvPr>
@@ -840,7 +840,7 @@
           <p:cNvPr id="4" name="日期占位符 3">
             <a:extLst>
               <a:ext uri="{FF2B5EF4-FFF2-40B4-BE49-F238E27FC236}">
-                <a16:creationId xmlns:a16="http://schemas.microsoft.com/office/drawing/2014/main" id="{5DA342C9-22CC-53DD-1B2F-F65186EB5E60}"/>
+                <a16:creationId xmlns:a16="http://schemas.microsoft.com/office/drawing/2014/main" id="{C97D18E2-AA98-0918-EF68-0C95CBF385AE}"/>
               </a:ext>
             </a:extLst>
           </p:cNvPr>
@@ -856,7 +856,7 @@
           <a:bodyPr/>
           <a:lstStyle/>
           <a:p>
-            <a:fld id="{7CBB9263-3542-4C7E-82A8-398A3532136A}" type="datetimeFigureOut">
+            <a:fld id="{482E90E5-B81A-4AA3-935B-6D58502FAF70}" type="datetimeFigureOut">
               <a:rPr lang="zh-CN" altLang="en-US" smtClean="0"/>
               <a:t>2024/3/10</a:t>
             </a:fld>
@@ -869,7 +869,7 @@
           <p:cNvPr id="5" name="页脚占位符 4">
             <a:extLst>
               <a:ext uri="{FF2B5EF4-FFF2-40B4-BE49-F238E27FC236}">
-                <a16:creationId xmlns:a16="http://schemas.microsoft.com/office/drawing/2014/main" id="{D7B6971F-D990-6AB8-7B2C-9072413294D7}"/>
+                <a16:creationId xmlns:a16="http://schemas.microsoft.com/office/drawing/2014/main" id="{4C81397E-5AB2-AF2C-CAE2-C06EF0B6589E}"/>
               </a:ext>
             </a:extLst>
           </p:cNvPr>
@@ -894,7 +894,7 @@
           <p:cNvPr id="6" name="灯片编号占位符 5">
             <a:extLst>
               <a:ext uri="{FF2B5EF4-FFF2-40B4-BE49-F238E27FC236}">
-                <a16:creationId xmlns:a16="http://schemas.microsoft.com/office/drawing/2014/main" id="{196D6EF0-410A-AB60-C4E1-2B88699A49A7}"/>
+                <a16:creationId xmlns:a16="http://schemas.microsoft.com/office/drawing/2014/main" id="{0E019D56-C4E8-BACD-2A90-B69CED28EB9D}"/>
               </a:ext>
             </a:extLst>
           </p:cNvPr>
@@ -910,7 +910,7 @@
           <a:bodyPr/>
           <a:lstStyle/>
           <a:p>
-            <a:fld id="{1B52FC27-E7F6-4981-9BAF-7264B551FC58}" type="slidenum">
+            <a:fld id="{AB1A4CDD-CDD3-4C1F-A5F6-9D5C38597D1B}" type="slidenum">
               <a:rPr lang="zh-CN" altLang="en-US" smtClean="0"/>
               <a:t>‹#›</a:t>
             </a:fld>
@@ -921,7 +921,7 @@
     </p:spTree>
     <p:extLst>
       <p:ext uri="{BB962C8B-B14F-4D97-AF65-F5344CB8AC3E}">
-        <p14:creationId xmlns:p14="http://schemas.microsoft.com/office/powerpoint/2010/main" val="3295255579"/>
+        <p14:creationId xmlns:p14="http://schemas.microsoft.com/office/powerpoint/2010/main" val="3927388135"/>
       </p:ext>
     </p:extLst>
   </p:cSld>
@@ -953,7 +953,7 @@
           <p:cNvPr id="2" name="标题 1">
             <a:extLst>
               <a:ext uri="{FF2B5EF4-FFF2-40B4-BE49-F238E27FC236}">
-                <a16:creationId xmlns:a16="http://schemas.microsoft.com/office/drawing/2014/main" id="{F4557D4D-AE9C-CFDB-82A8-42C556EC576A}"/>
+                <a16:creationId xmlns:a16="http://schemas.microsoft.com/office/drawing/2014/main" id="{2B19C92D-2013-8779-4B32-523AFC76B9E3}"/>
               </a:ext>
             </a:extLst>
           </p:cNvPr>
@@ -990,7 +990,7 @@
           <p:cNvPr id="3" name="文本占位符 2">
             <a:extLst>
               <a:ext uri="{FF2B5EF4-FFF2-40B4-BE49-F238E27FC236}">
-                <a16:creationId xmlns:a16="http://schemas.microsoft.com/office/drawing/2014/main" id="{EBF6D1C8-02AE-F05A-AD07-DA91DB55649B}"/>
+                <a16:creationId xmlns:a16="http://schemas.microsoft.com/office/drawing/2014/main" id="{0CF24474-07ED-93BF-155F-E01C5F3F468B}"/>
               </a:ext>
             </a:extLst>
           </p:cNvPr>
@@ -1115,7 +1115,7 @@
           <p:cNvPr id="4" name="日期占位符 3">
             <a:extLst>
               <a:ext uri="{FF2B5EF4-FFF2-40B4-BE49-F238E27FC236}">
-                <a16:creationId xmlns:a16="http://schemas.microsoft.com/office/drawing/2014/main" id="{2BD66D52-16E3-7C25-BBAF-0073D201F95D}"/>
+                <a16:creationId xmlns:a16="http://schemas.microsoft.com/office/drawing/2014/main" id="{592E4775-9EFC-F71D-6039-751C710D0728}"/>
               </a:ext>
             </a:extLst>
           </p:cNvPr>
@@ -1131,7 +1131,7 @@
           <a:bodyPr/>
           <a:lstStyle/>
           <a:p>
-            <a:fld id="{7CBB9263-3542-4C7E-82A8-398A3532136A}" type="datetimeFigureOut">
+            <a:fld id="{482E90E5-B81A-4AA3-935B-6D58502FAF70}" type="datetimeFigureOut">
               <a:rPr lang="zh-CN" altLang="en-US" smtClean="0"/>
               <a:t>2024/3/10</a:t>
             </a:fld>
@@ -1144,7 +1144,7 @@
           <p:cNvPr id="5" name="页脚占位符 4">
             <a:extLst>
               <a:ext uri="{FF2B5EF4-FFF2-40B4-BE49-F238E27FC236}">
-                <a16:creationId xmlns:a16="http://schemas.microsoft.com/office/drawing/2014/main" id="{8D16A330-AC61-6894-40C3-B10FACB37AC5}"/>
+                <a16:creationId xmlns:a16="http://schemas.microsoft.com/office/drawing/2014/main" id="{1E4B9E3C-D5DD-2B10-EBB7-A45940F48904}"/>
               </a:ext>
             </a:extLst>
           </p:cNvPr>
@@ -1169,7 +1169,7 @@
           <p:cNvPr id="6" name="灯片编号占位符 5">
             <a:extLst>
               <a:ext uri="{FF2B5EF4-FFF2-40B4-BE49-F238E27FC236}">
-                <a16:creationId xmlns:a16="http://schemas.microsoft.com/office/drawing/2014/main" id="{67289FB6-B35F-09F9-9887-A7C7B8F6C91E}"/>
+                <a16:creationId xmlns:a16="http://schemas.microsoft.com/office/drawing/2014/main" id="{2E996DED-5F78-CAFD-06F1-E6311397DE13}"/>
               </a:ext>
             </a:extLst>
           </p:cNvPr>
@@ -1185,7 +1185,7 @@
           <a:bodyPr/>
           <a:lstStyle/>
           <a:p>
-            <a:fld id="{1B52FC27-E7F6-4981-9BAF-7264B551FC58}" type="slidenum">
+            <a:fld id="{AB1A4CDD-CDD3-4C1F-A5F6-9D5C38597D1B}" type="slidenum">
               <a:rPr lang="zh-CN" altLang="en-US" smtClean="0"/>
               <a:t>‹#›</a:t>
             </a:fld>
@@ -1196,7 +1196,7 @@
     </p:spTree>
     <p:extLst>
       <p:ext uri="{BB962C8B-B14F-4D97-AF65-F5344CB8AC3E}">
-        <p14:creationId xmlns:p14="http://schemas.microsoft.com/office/powerpoint/2010/main" val="1207654786"/>
+        <p14:creationId xmlns:p14="http://schemas.microsoft.com/office/powerpoint/2010/main" val="4035214097"/>
       </p:ext>
     </p:extLst>
   </p:cSld>
@@ -1228,7 +1228,7 @@
           <p:cNvPr id="2" name="标题 1">
             <a:extLst>
               <a:ext uri="{FF2B5EF4-FFF2-40B4-BE49-F238E27FC236}">
-                <a16:creationId xmlns:a16="http://schemas.microsoft.com/office/drawing/2014/main" id="{C73EAD60-6E17-E298-1F3E-B3424C8A13E6}"/>
+                <a16:creationId xmlns:a16="http://schemas.microsoft.com/office/drawing/2014/main" id="{54EECE1A-908C-95E5-BCC7-5E5B7DACE013}"/>
               </a:ext>
             </a:extLst>
           </p:cNvPr>
@@ -1256,7 +1256,7 @@
           <p:cNvPr id="3" name="内容占位符 2">
             <a:extLst>
               <a:ext uri="{FF2B5EF4-FFF2-40B4-BE49-F238E27FC236}">
-                <a16:creationId xmlns:a16="http://schemas.microsoft.com/office/drawing/2014/main" id="{D36C6F47-0540-47FE-2FD5-35B8C80A1FD7}"/>
+                <a16:creationId xmlns:a16="http://schemas.microsoft.com/office/drawing/2014/main" id="{F7413003-BF54-21EE-B0C7-4945A2B2CDDF}"/>
               </a:ext>
             </a:extLst>
           </p:cNvPr>
@@ -1318,7 +1318,7 @@
           <p:cNvPr id="4" name="内容占位符 3">
             <a:extLst>
               <a:ext uri="{FF2B5EF4-FFF2-40B4-BE49-F238E27FC236}">
-                <a16:creationId xmlns:a16="http://schemas.microsoft.com/office/drawing/2014/main" id="{1495F073-6865-53A4-AC11-9EEDEE350711}"/>
+                <a16:creationId xmlns:a16="http://schemas.microsoft.com/office/drawing/2014/main" id="{C77B2897-2D2B-1D77-6077-EEFA249BC010}"/>
               </a:ext>
             </a:extLst>
           </p:cNvPr>
@@ -1380,7 +1380,7 @@
           <p:cNvPr id="5" name="日期占位符 4">
             <a:extLst>
               <a:ext uri="{FF2B5EF4-FFF2-40B4-BE49-F238E27FC236}">
-                <a16:creationId xmlns:a16="http://schemas.microsoft.com/office/drawing/2014/main" id="{C8846EB8-83A7-0A66-7FBD-5F3052B8FB75}"/>
+                <a16:creationId xmlns:a16="http://schemas.microsoft.com/office/drawing/2014/main" id="{1759EFFA-BBEB-012F-AA9B-99620D5EE450}"/>
               </a:ext>
             </a:extLst>
           </p:cNvPr>
@@ -1396,7 +1396,7 @@
           <a:bodyPr/>
           <a:lstStyle/>
           <a:p>
-            <a:fld id="{7CBB9263-3542-4C7E-82A8-398A3532136A}" type="datetimeFigureOut">
+            <a:fld id="{482E90E5-B81A-4AA3-935B-6D58502FAF70}" type="datetimeFigureOut">
               <a:rPr lang="zh-CN" altLang="en-US" smtClean="0"/>
               <a:t>2024/3/10</a:t>
             </a:fld>
@@ -1409,7 +1409,7 @@
           <p:cNvPr id="6" name="页脚占位符 5">
             <a:extLst>
               <a:ext uri="{FF2B5EF4-FFF2-40B4-BE49-F238E27FC236}">
-                <a16:creationId xmlns:a16="http://schemas.microsoft.com/office/drawing/2014/main" id="{F1E88F85-0F4B-8E80-8C10-6727C916F06F}"/>
+                <a16:creationId xmlns:a16="http://schemas.microsoft.com/office/drawing/2014/main" id="{CFD3BC04-CA3D-56E0-7AA7-EF64171367EB}"/>
               </a:ext>
             </a:extLst>
           </p:cNvPr>
@@ -1434,7 +1434,7 @@
           <p:cNvPr id="7" name="灯片编号占位符 6">
             <a:extLst>
               <a:ext uri="{FF2B5EF4-FFF2-40B4-BE49-F238E27FC236}">
-                <a16:creationId xmlns:a16="http://schemas.microsoft.com/office/drawing/2014/main" id="{2D647CEE-0AE9-40B8-2C59-A8CACF5B986C}"/>
+                <a16:creationId xmlns:a16="http://schemas.microsoft.com/office/drawing/2014/main" id="{0FC3D024-4D69-A5A4-D57C-B845CA33BE79}"/>
               </a:ext>
             </a:extLst>
           </p:cNvPr>
@@ -1450,7 +1450,7 @@
           <a:bodyPr/>
           <a:lstStyle/>
           <a:p>
-            <a:fld id="{1B52FC27-E7F6-4981-9BAF-7264B551FC58}" type="slidenum">
+            <a:fld id="{AB1A4CDD-CDD3-4C1F-A5F6-9D5C38597D1B}" type="slidenum">
               <a:rPr lang="zh-CN" altLang="en-US" smtClean="0"/>
               <a:t>‹#›</a:t>
             </a:fld>
@@ -1461,7 +1461,7 @@
     </p:spTree>
     <p:extLst>
       <p:ext uri="{BB962C8B-B14F-4D97-AF65-F5344CB8AC3E}">
-        <p14:creationId xmlns:p14="http://schemas.microsoft.com/office/powerpoint/2010/main" val="931773404"/>
+        <p14:creationId xmlns:p14="http://schemas.microsoft.com/office/powerpoint/2010/main" val="1405871950"/>
       </p:ext>
     </p:extLst>
   </p:cSld>
@@ -1493,7 +1493,7 @@
           <p:cNvPr id="2" name="标题 1">
             <a:extLst>
               <a:ext uri="{FF2B5EF4-FFF2-40B4-BE49-F238E27FC236}">
-                <a16:creationId xmlns:a16="http://schemas.microsoft.com/office/drawing/2014/main" id="{681CF910-5335-D96D-CB89-A996A7898EF9}"/>
+                <a16:creationId xmlns:a16="http://schemas.microsoft.com/office/drawing/2014/main" id="{5883A734-F4C7-B384-4AD4-C9BAE8BEA0C6}"/>
               </a:ext>
             </a:extLst>
           </p:cNvPr>
@@ -1526,7 +1526,7 @@
           <p:cNvPr id="3" name="文本占位符 2">
             <a:extLst>
               <a:ext uri="{FF2B5EF4-FFF2-40B4-BE49-F238E27FC236}">
-                <a16:creationId xmlns:a16="http://schemas.microsoft.com/office/drawing/2014/main" id="{4DABA9BE-A32A-16EF-A8AB-9C8EE288B5F9}"/>
+                <a16:creationId xmlns:a16="http://schemas.microsoft.com/office/drawing/2014/main" id="{A2D838B4-7D23-74B8-6A6E-8199828FCFE6}"/>
               </a:ext>
             </a:extLst>
           </p:cNvPr>
@@ -1597,7 +1597,7 @@
           <p:cNvPr id="4" name="内容占位符 3">
             <a:extLst>
               <a:ext uri="{FF2B5EF4-FFF2-40B4-BE49-F238E27FC236}">
-                <a16:creationId xmlns:a16="http://schemas.microsoft.com/office/drawing/2014/main" id="{621FE744-B26D-3B99-6B53-8B1D92ACDC2D}"/>
+                <a16:creationId xmlns:a16="http://schemas.microsoft.com/office/drawing/2014/main" id="{873F104D-F4F6-8B76-456C-F1A589410F31}"/>
               </a:ext>
             </a:extLst>
           </p:cNvPr>
@@ -1659,7 +1659,7 @@
           <p:cNvPr id="5" name="文本占位符 4">
             <a:extLst>
               <a:ext uri="{FF2B5EF4-FFF2-40B4-BE49-F238E27FC236}">
-                <a16:creationId xmlns:a16="http://schemas.microsoft.com/office/drawing/2014/main" id="{20A8F3A6-2E30-4C92-9E09-CA9205337EC0}"/>
+                <a16:creationId xmlns:a16="http://schemas.microsoft.com/office/drawing/2014/main" id="{DB2F846F-1D9E-F463-CBD8-0DC38ACF7515}"/>
               </a:ext>
             </a:extLst>
           </p:cNvPr>
@@ -1730,7 +1730,7 @@
           <p:cNvPr id="6" name="内容占位符 5">
             <a:extLst>
               <a:ext uri="{FF2B5EF4-FFF2-40B4-BE49-F238E27FC236}">
-                <a16:creationId xmlns:a16="http://schemas.microsoft.com/office/drawing/2014/main" id="{4DB45700-8D81-36F6-01F6-2B467010BB7B}"/>
+                <a16:creationId xmlns:a16="http://schemas.microsoft.com/office/drawing/2014/main" id="{9E463570-260F-D8BF-6A39-082B6E5CD72C}"/>
               </a:ext>
             </a:extLst>
           </p:cNvPr>
@@ -1792,7 +1792,7 @@
           <p:cNvPr id="7" name="日期占位符 6">
             <a:extLst>
               <a:ext uri="{FF2B5EF4-FFF2-40B4-BE49-F238E27FC236}">
-                <a16:creationId xmlns:a16="http://schemas.microsoft.com/office/drawing/2014/main" id="{BFFF4B38-39E4-ACAD-1019-228DA54CC8CE}"/>
+                <a16:creationId xmlns:a16="http://schemas.microsoft.com/office/drawing/2014/main" id="{DC097E6B-B17D-F435-6D86-72394BFBAE2D}"/>
               </a:ext>
             </a:extLst>
           </p:cNvPr>
@@ -1808,7 +1808,7 @@
           <a:bodyPr/>
           <a:lstStyle/>
           <a:p>
-            <a:fld id="{7CBB9263-3542-4C7E-82A8-398A3532136A}" type="datetimeFigureOut">
+            <a:fld id="{482E90E5-B81A-4AA3-935B-6D58502FAF70}" type="datetimeFigureOut">
               <a:rPr lang="zh-CN" altLang="en-US" smtClean="0"/>
               <a:t>2024/3/10</a:t>
             </a:fld>
@@ -1821,7 +1821,7 @@
           <p:cNvPr id="8" name="页脚占位符 7">
             <a:extLst>
               <a:ext uri="{FF2B5EF4-FFF2-40B4-BE49-F238E27FC236}">
-                <a16:creationId xmlns:a16="http://schemas.microsoft.com/office/drawing/2014/main" id="{F94B3E20-33DF-E4C8-D407-0D9C2A0D3B39}"/>
+                <a16:creationId xmlns:a16="http://schemas.microsoft.com/office/drawing/2014/main" id="{0533869B-6E82-82CA-F649-43AAE2B25BF3}"/>
               </a:ext>
             </a:extLst>
           </p:cNvPr>
@@ -1846,7 +1846,7 @@
           <p:cNvPr id="9" name="灯片编号占位符 8">
             <a:extLst>
               <a:ext uri="{FF2B5EF4-FFF2-40B4-BE49-F238E27FC236}">
-                <a16:creationId xmlns:a16="http://schemas.microsoft.com/office/drawing/2014/main" id="{602CDE5B-E206-288C-A546-0065702EE202}"/>
+                <a16:creationId xmlns:a16="http://schemas.microsoft.com/office/drawing/2014/main" id="{F077995D-AB23-6CC3-730E-4E3E9E2A4B6F}"/>
               </a:ext>
             </a:extLst>
           </p:cNvPr>
@@ -1862,7 +1862,7 @@
           <a:bodyPr/>
           <a:lstStyle/>
           <a:p>
-            <a:fld id="{1B52FC27-E7F6-4981-9BAF-7264B551FC58}" type="slidenum">
+            <a:fld id="{AB1A4CDD-CDD3-4C1F-A5F6-9D5C38597D1B}" type="slidenum">
               <a:rPr lang="zh-CN" altLang="en-US" smtClean="0"/>
               <a:t>‹#›</a:t>
             </a:fld>
@@ -1873,7 +1873,7 @@
     </p:spTree>
     <p:extLst>
       <p:ext uri="{BB962C8B-B14F-4D97-AF65-F5344CB8AC3E}">
-        <p14:creationId xmlns:p14="http://schemas.microsoft.com/office/powerpoint/2010/main" val="3774299561"/>
+        <p14:creationId xmlns:p14="http://schemas.microsoft.com/office/powerpoint/2010/main" val="353432613"/>
       </p:ext>
     </p:extLst>
   </p:cSld>
@@ -1905,7 +1905,7 @@
           <p:cNvPr id="2" name="标题 1">
             <a:extLst>
               <a:ext uri="{FF2B5EF4-FFF2-40B4-BE49-F238E27FC236}">
-                <a16:creationId xmlns:a16="http://schemas.microsoft.com/office/drawing/2014/main" id="{6798A972-DE62-7A13-37F2-CE7C8618F62A}"/>
+                <a16:creationId xmlns:a16="http://schemas.microsoft.com/office/drawing/2014/main" id="{2A5F64FC-5DBC-2FCC-9C3C-6C1D0E226B35}"/>
               </a:ext>
             </a:extLst>
           </p:cNvPr>
@@ -1933,7 +1933,7 @@
           <p:cNvPr id="3" name="日期占位符 2">
             <a:extLst>
               <a:ext uri="{FF2B5EF4-FFF2-40B4-BE49-F238E27FC236}">
-                <a16:creationId xmlns:a16="http://schemas.microsoft.com/office/drawing/2014/main" id="{0524B124-045F-80A6-FAB1-3ADCC7DAF8BC}"/>
+                <a16:creationId xmlns:a16="http://schemas.microsoft.com/office/drawing/2014/main" id="{DE6CCA00-BD4C-7CB8-27EE-9832C5404AF1}"/>
               </a:ext>
             </a:extLst>
           </p:cNvPr>
@@ -1949,7 +1949,7 @@
           <a:bodyPr/>
           <a:lstStyle/>
           <a:p>
-            <a:fld id="{7CBB9263-3542-4C7E-82A8-398A3532136A}" type="datetimeFigureOut">
+            <a:fld id="{482E90E5-B81A-4AA3-935B-6D58502FAF70}" type="datetimeFigureOut">
               <a:rPr lang="zh-CN" altLang="en-US" smtClean="0"/>
               <a:t>2024/3/10</a:t>
             </a:fld>
@@ -1962,7 +1962,7 @@
           <p:cNvPr id="4" name="页脚占位符 3">
             <a:extLst>
               <a:ext uri="{FF2B5EF4-FFF2-40B4-BE49-F238E27FC236}">
-                <a16:creationId xmlns:a16="http://schemas.microsoft.com/office/drawing/2014/main" id="{CD737E1A-F3CB-4CDD-3728-311EB4AE28BF}"/>
+                <a16:creationId xmlns:a16="http://schemas.microsoft.com/office/drawing/2014/main" id="{AB82DCFB-E964-864B-88CF-C4A0D061E66A}"/>
               </a:ext>
             </a:extLst>
           </p:cNvPr>
@@ -1987,7 +1987,7 @@
           <p:cNvPr id="5" name="灯片编号占位符 4">
             <a:extLst>
               <a:ext uri="{FF2B5EF4-FFF2-40B4-BE49-F238E27FC236}">
-                <a16:creationId xmlns:a16="http://schemas.microsoft.com/office/drawing/2014/main" id="{65B830F1-A899-B55E-91CD-1AD4F5A99FC9}"/>
+                <a16:creationId xmlns:a16="http://schemas.microsoft.com/office/drawing/2014/main" id="{C706DF31-D85D-AEB3-0BF3-F817DB599EB5}"/>
               </a:ext>
             </a:extLst>
           </p:cNvPr>
@@ -2003,7 +2003,7 @@
           <a:bodyPr/>
           <a:lstStyle/>
           <a:p>
-            <a:fld id="{1B52FC27-E7F6-4981-9BAF-7264B551FC58}" type="slidenum">
+            <a:fld id="{AB1A4CDD-CDD3-4C1F-A5F6-9D5C38597D1B}" type="slidenum">
               <a:rPr lang="zh-CN" altLang="en-US" smtClean="0"/>
               <a:t>‹#›</a:t>
             </a:fld>
@@ -2014,7 +2014,7 @@
     </p:spTree>
     <p:extLst>
       <p:ext uri="{BB962C8B-B14F-4D97-AF65-F5344CB8AC3E}">
-        <p14:creationId xmlns:p14="http://schemas.microsoft.com/office/powerpoint/2010/main" val="1590437270"/>
+        <p14:creationId xmlns:p14="http://schemas.microsoft.com/office/powerpoint/2010/main" val="3365900763"/>
       </p:ext>
     </p:extLst>
   </p:cSld>
@@ -2046,7 +2046,7 @@
           <p:cNvPr id="2" name="日期占位符 1">
             <a:extLst>
               <a:ext uri="{FF2B5EF4-FFF2-40B4-BE49-F238E27FC236}">
-                <a16:creationId xmlns:a16="http://schemas.microsoft.com/office/drawing/2014/main" id="{C0D15916-FC65-7D9C-901D-403AD71DE9CE}"/>
+                <a16:creationId xmlns:a16="http://schemas.microsoft.com/office/drawing/2014/main" id="{94131117-98E6-9AA4-C3C6-31B09772A8C1}"/>
               </a:ext>
             </a:extLst>
           </p:cNvPr>
@@ -2062,7 +2062,7 @@
           <a:bodyPr/>
           <a:lstStyle/>
           <a:p>
-            <a:fld id="{7CBB9263-3542-4C7E-82A8-398A3532136A}" type="datetimeFigureOut">
+            <a:fld id="{482E90E5-B81A-4AA3-935B-6D58502FAF70}" type="datetimeFigureOut">
               <a:rPr lang="zh-CN" altLang="en-US" smtClean="0"/>
               <a:t>2024/3/10</a:t>
             </a:fld>
@@ -2075,7 +2075,7 @@
           <p:cNvPr id="3" name="页脚占位符 2">
             <a:extLst>
               <a:ext uri="{FF2B5EF4-FFF2-40B4-BE49-F238E27FC236}">
-                <a16:creationId xmlns:a16="http://schemas.microsoft.com/office/drawing/2014/main" id="{1A5C2579-72AB-4CBD-4FAC-9A5694DA2D64}"/>
+                <a16:creationId xmlns:a16="http://schemas.microsoft.com/office/drawing/2014/main" id="{8B4312AC-246E-EE2E-C04D-79B77A7086DE}"/>
               </a:ext>
             </a:extLst>
           </p:cNvPr>
@@ -2100,7 +2100,7 @@
           <p:cNvPr id="4" name="灯片编号占位符 3">
             <a:extLst>
               <a:ext uri="{FF2B5EF4-FFF2-40B4-BE49-F238E27FC236}">
-                <a16:creationId xmlns:a16="http://schemas.microsoft.com/office/drawing/2014/main" id="{11D98716-21B4-BFEC-7D84-44E0CE8D8870}"/>
+                <a16:creationId xmlns:a16="http://schemas.microsoft.com/office/drawing/2014/main" id="{1E418AA7-CC11-568E-38C9-C55EACD75B03}"/>
               </a:ext>
             </a:extLst>
           </p:cNvPr>
@@ -2116,7 +2116,7 @@
           <a:bodyPr/>
           <a:lstStyle/>
           <a:p>
-            <a:fld id="{1B52FC27-E7F6-4981-9BAF-7264B551FC58}" type="slidenum">
+            <a:fld id="{AB1A4CDD-CDD3-4C1F-A5F6-9D5C38597D1B}" type="slidenum">
               <a:rPr lang="zh-CN" altLang="en-US" smtClean="0"/>
               <a:t>‹#›</a:t>
             </a:fld>
@@ -2127,7 +2127,7 @@
     </p:spTree>
     <p:extLst>
       <p:ext uri="{BB962C8B-B14F-4D97-AF65-F5344CB8AC3E}">
-        <p14:creationId xmlns:p14="http://schemas.microsoft.com/office/powerpoint/2010/main" val="3383355568"/>
+        <p14:creationId xmlns:p14="http://schemas.microsoft.com/office/powerpoint/2010/main" val="2913751325"/>
       </p:ext>
     </p:extLst>
   </p:cSld>
@@ -2159,7 +2159,7 @@
           <p:cNvPr id="2" name="标题 1">
             <a:extLst>
               <a:ext uri="{FF2B5EF4-FFF2-40B4-BE49-F238E27FC236}">
-                <a16:creationId xmlns:a16="http://schemas.microsoft.com/office/drawing/2014/main" id="{9D7F92F6-F123-DB7B-7554-00493A299226}"/>
+                <a16:creationId xmlns:a16="http://schemas.microsoft.com/office/drawing/2014/main" id="{07B7E05A-6738-1F7A-9EAD-A6C82238F76F}"/>
               </a:ext>
             </a:extLst>
           </p:cNvPr>
@@ -2196,7 +2196,7 @@
           <p:cNvPr id="3" name="内容占位符 2">
             <a:extLst>
               <a:ext uri="{FF2B5EF4-FFF2-40B4-BE49-F238E27FC236}">
-                <a16:creationId xmlns:a16="http://schemas.microsoft.com/office/drawing/2014/main" id="{7A784267-B75A-631F-8A6D-81C2C3C43218}"/>
+                <a16:creationId xmlns:a16="http://schemas.microsoft.com/office/drawing/2014/main" id="{03B21086-7E2D-4973-49CD-F3DA09362273}"/>
               </a:ext>
             </a:extLst>
           </p:cNvPr>
@@ -2286,7 +2286,7 @@
           <p:cNvPr id="4" name="文本占位符 3">
             <a:extLst>
               <a:ext uri="{FF2B5EF4-FFF2-40B4-BE49-F238E27FC236}">
-                <a16:creationId xmlns:a16="http://schemas.microsoft.com/office/drawing/2014/main" id="{E744BB66-B842-3109-305F-650DA284841D}"/>
+                <a16:creationId xmlns:a16="http://schemas.microsoft.com/office/drawing/2014/main" id="{96449F52-CF68-FE43-3BAB-585B8B752233}"/>
               </a:ext>
             </a:extLst>
           </p:cNvPr>
@@ -2357,7 +2357,7 @@
           <p:cNvPr id="5" name="日期占位符 4">
             <a:extLst>
               <a:ext uri="{FF2B5EF4-FFF2-40B4-BE49-F238E27FC236}">
-                <a16:creationId xmlns:a16="http://schemas.microsoft.com/office/drawing/2014/main" id="{55F5CAE2-0274-F890-A7D4-232695754A4F}"/>
+                <a16:creationId xmlns:a16="http://schemas.microsoft.com/office/drawing/2014/main" id="{938CC7F7-A60C-0882-B014-A12FC8B00849}"/>
               </a:ext>
             </a:extLst>
           </p:cNvPr>
@@ -2373,7 +2373,7 @@
           <a:bodyPr/>
           <a:lstStyle/>
           <a:p>
-            <a:fld id="{7CBB9263-3542-4C7E-82A8-398A3532136A}" type="datetimeFigureOut">
+            <a:fld id="{482E90E5-B81A-4AA3-935B-6D58502FAF70}" type="datetimeFigureOut">
               <a:rPr lang="zh-CN" altLang="en-US" smtClean="0"/>
               <a:t>2024/3/10</a:t>
             </a:fld>
@@ -2386,7 +2386,7 @@
           <p:cNvPr id="6" name="页脚占位符 5">
             <a:extLst>
               <a:ext uri="{FF2B5EF4-FFF2-40B4-BE49-F238E27FC236}">
-                <a16:creationId xmlns:a16="http://schemas.microsoft.com/office/drawing/2014/main" id="{BB86E8E1-8C03-E895-8376-F58A41963CF3}"/>
+                <a16:creationId xmlns:a16="http://schemas.microsoft.com/office/drawing/2014/main" id="{E7E55023-D2FD-090E-0787-3D208A55BB55}"/>
               </a:ext>
             </a:extLst>
           </p:cNvPr>
@@ -2411,7 +2411,7 @@
           <p:cNvPr id="7" name="灯片编号占位符 6">
             <a:extLst>
               <a:ext uri="{FF2B5EF4-FFF2-40B4-BE49-F238E27FC236}">
-                <a16:creationId xmlns:a16="http://schemas.microsoft.com/office/drawing/2014/main" id="{2391C436-6C08-B75F-7C07-9210B1D74250}"/>
+                <a16:creationId xmlns:a16="http://schemas.microsoft.com/office/drawing/2014/main" id="{A2D4E185-7D49-EFAC-53E3-FF90BF2773BA}"/>
               </a:ext>
             </a:extLst>
           </p:cNvPr>
@@ -2427,7 +2427,7 @@
           <a:bodyPr/>
           <a:lstStyle/>
           <a:p>
-            <a:fld id="{1B52FC27-E7F6-4981-9BAF-7264B551FC58}" type="slidenum">
+            <a:fld id="{AB1A4CDD-CDD3-4C1F-A5F6-9D5C38597D1B}" type="slidenum">
               <a:rPr lang="zh-CN" altLang="en-US" smtClean="0"/>
               <a:t>‹#›</a:t>
             </a:fld>
@@ -2438,7 +2438,7 @@
     </p:spTree>
     <p:extLst>
       <p:ext uri="{BB962C8B-B14F-4D97-AF65-F5344CB8AC3E}">
-        <p14:creationId xmlns:p14="http://schemas.microsoft.com/office/powerpoint/2010/main" val="4149094691"/>
+        <p14:creationId xmlns:p14="http://schemas.microsoft.com/office/powerpoint/2010/main" val="1125976412"/>
       </p:ext>
     </p:extLst>
   </p:cSld>
@@ -2470,7 +2470,7 @@
           <p:cNvPr id="2" name="标题 1">
             <a:extLst>
               <a:ext uri="{FF2B5EF4-FFF2-40B4-BE49-F238E27FC236}">
-                <a16:creationId xmlns:a16="http://schemas.microsoft.com/office/drawing/2014/main" id="{E302456C-9FE6-E501-C839-C7950D0A3F37}"/>
+                <a16:creationId xmlns:a16="http://schemas.microsoft.com/office/drawing/2014/main" id="{08528AD8-C117-0932-D67A-77552BC4A3BF}"/>
               </a:ext>
             </a:extLst>
           </p:cNvPr>
@@ -2507,7 +2507,7 @@
           <p:cNvPr id="3" name="图片占位符 2">
             <a:extLst>
               <a:ext uri="{FF2B5EF4-FFF2-40B4-BE49-F238E27FC236}">
-                <a16:creationId xmlns:a16="http://schemas.microsoft.com/office/drawing/2014/main" id="{94A79F9C-A7B9-6612-69C0-345BA0760813}"/>
+                <a16:creationId xmlns:a16="http://schemas.microsoft.com/office/drawing/2014/main" id="{FB475622-B120-1D99-02C1-8E64DCCD585F}"/>
               </a:ext>
             </a:extLst>
           </p:cNvPr>
@@ -2574,7 +2574,7 @@
           <p:cNvPr id="4" name="文本占位符 3">
             <a:extLst>
               <a:ext uri="{FF2B5EF4-FFF2-40B4-BE49-F238E27FC236}">
-                <a16:creationId xmlns:a16="http://schemas.microsoft.com/office/drawing/2014/main" id="{1FA8403E-2BDD-C985-33A4-B77B0E7FAC8E}"/>
+                <a16:creationId xmlns:a16="http://schemas.microsoft.com/office/drawing/2014/main" id="{9E694329-1341-6540-78C3-E9F76746D16D}"/>
               </a:ext>
             </a:extLst>
           </p:cNvPr>
@@ -2645,7 +2645,7 @@
           <p:cNvPr id="5" name="日期占位符 4">
             <a:extLst>
               <a:ext uri="{FF2B5EF4-FFF2-40B4-BE49-F238E27FC236}">
-                <a16:creationId xmlns:a16="http://schemas.microsoft.com/office/drawing/2014/main" id="{29944773-A94F-2687-E439-69055AEFFA12}"/>
+                <a16:creationId xmlns:a16="http://schemas.microsoft.com/office/drawing/2014/main" id="{B26F9EF3-A6F2-B63F-6C52-014D5E23967C}"/>
               </a:ext>
             </a:extLst>
           </p:cNvPr>
@@ -2661,7 +2661,7 @@
           <a:bodyPr/>
           <a:lstStyle/>
           <a:p>
-            <a:fld id="{7CBB9263-3542-4C7E-82A8-398A3532136A}" type="datetimeFigureOut">
+            <a:fld id="{482E90E5-B81A-4AA3-935B-6D58502FAF70}" type="datetimeFigureOut">
               <a:rPr lang="zh-CN" altLang="en-US" smtClean="0"/>
               <a:t>2024/3/10</a:t>
             </a:fld>
@@ -2674,7 +2674,7 @@
           <p:cNvPr id="6" name="页脚占位符 5">
             <a:extLst>
               <a:ext uri="{FF2B5EF4-FFF2-40B4-BE49-F238E27FC236}">
-                <a16:creationId xmlns:a16="http://schemas.microsoft.com/office/drawing/2014/main" id="{B1CC25F6-D920-23A4-45DC-CBCCFD1E329A}"/>
+                <a16:creationId xmlns:a16="http://schemas.microsoft.com/office/drawing/2014/main" id="{B1AF774D-6D8A-7313-81A9-C269833C02EE}"/>
               </a:ext>
             </a:extLst>
           </p:cNvPr>
@@ -2699,7 +2699,7 @@
           <p:cNvPr id="7" name="灯片编号占位符 6">
             <a:extLst>
               <a:ext uri="{FF2B5EF4-FFF2-40B4-BE49-F238E27FC236}">
-                <a16:creationId xmlns:a16="http://schemas.microsoft.com/office/drawing/2014/main" id="{E860294C-8724-6BF0-3306-0617429AA8F1}"/>
+                <a16:creationId xmlns:a16="http://schemas.microsoft.com/office/drawing/2014/main" id="{B76EB5FC-613C-92B3-2036-C12299C76500}"/>
               </a:ext>
             </a:extLst>
           </p:cNvPr>
@@ -2715,7 +2715,7 @@
           <a:bodyPr/>
           <a:lstStyle/>
           <a:p>
-            <a:fld id="{1B52FC27-E7F6-4981-9BAF-7264B551FC58}" type="slidenum">
+            <a:fld id="{AB1A4CDD-CDD3-4C1F-A5F6-9D5C38597D1B}" type="slidenum">
               <a:rPr lang="zh-CN" altLang="en-US" smtClean="0"/>
               <a:t>‹#›</a:t>
             </a:fld>
@@ -2726,7 +2726,7 @@
     </p:spTree>
     <p:extLst>
       <p:ext uri="{BB962C8B-B14F-4D97-AF65-F5344CB8AC3E}">
-        <p14:creationId xmlns:p14="http://schemas.microsoft.com/office/powerpoint/2010/main" val="915500892"/>
+        <p14:creationId xmlns:p14="http://schemas.microsoft.com/office/powerpoint/2010/main" val="230371539"/>
       </p:ext>
     </p:extLst>
   </p:cSld>
@@ -2763,7 +2763,7 @@
           <p:cNvPr id="2" name="标题占位符 1">
             <a:extLst>
               <a:ext uri="{FF2B5EF4-FFF2-40B4-BE49-F238E27FC236}">
-                <a16:creationId xmlns:a16="http://schemas.microsoft.com/office/drawing/2014/main" id="{34E9347D-3B26-6CB9-C27D-889EC7D1BEA8}"/>
+                <a16:creationId xmlns:a16="http://schemas.microsoft.com/office/drawing/2014/main" id="{67B037BC-DC40-F5FB-9448-58D20594A6FE}"/>
               </a:ext>
             </a:extLst>
           </p:cNvPr>
@@ -2801,7 +2801,7 @@
           <p:cNvPr id="3" name="文本占位符 2">
             <a:extLst>
               <a:ext uri="{FF2B5EF4-FFF2-40B4-BE49-F238E27FC236}">
-                <a16:creationId xmlns:a16="http://schemas.microsoft.com/office/drawing/2014/main" id="{39EACBA0-9ED8-EC62-7E7B-BAD159AAA544}"/>
+                <a16:creationId xmlns:a16="http://schemas.microsoft.com/office/drawing/2014/main" id="{0DD48DC4-6BF0-FFE5-E58C-0F3FB22D1560}"/>
               </a:ext>
             </a:extLst>
           </p:cNvPr>
@@ -2868,7 +2868,7 @@
           <p:cNvPr id="4" name="日期占位符 3">
             <a:extLst>
               <a:ext uri="{FF2B5EF4-FFF2-40B4-BE49-F238E27FC236}">
-                <a16:creationId xmlns:a16="http://schemas.microsoft.com/office/drawing/2014/main" id="{530680CF-DC22-E335-F9B6-7729F0EAE92F}"/>
+                <a16:creationId xmlns:a16="http://schemas.microsoft.com/office/drawing/2014/main" id="{71DBF593-79DC-043F-488E-1AA1F64BBBC2}"/>
               </a:ext>
             </a:extLst>
           </p:cNvPr>
@@ -2902,7 +2902,7 @@
             </a:lvl1pPr>
           </a:lstStyle>
           <a:p>
-            <a:fld id="{7CBB9263-3542-4C7E-82A8-398A3532136A}" type="datetimeFigureOut">
+            <a:fld id="{482E90E5-B81A-4AA3-935B-6D58502FAF70}" type="datetimeFigureOut">
               <a:rPr lang="zh-CN" altLang="en-US" smtClean="0"/>
               <a:t>2024/3/10</a:t>
             </a:fld>
@@ -2915,7 +2915,7 @@
           <p:cNvPr id="5" name="页脚占位符 4">
             <a:extLst>
               <a:ext uri="{FF2B5EF4-FFF2-40B4-BE49-F238E27FC236}">
-                <a16:creationId xmlns:a16="http://schemas.microsoft.com/office/drawing/2014/main" id="{1754FF92-9093-CBDB-099F-B3E2BE0B4624}"/>
+                <a16:creationId xmlns:a16="http://schemas.microsoft.com/office/drawing/2014/main" id="{A72BB347-EED9-9F8A-4388-1C625760E667}"/>
               </a:ext>
             </a:extLst>
           </p:cNvPr>
@@ -2958,7 +2958,7 @@
           <p:cNvPr id="6" name="灯片编号占位符 5">
             <a:extLst>
               <a:ext uri="{FF2B5EF4-FFF2-40B4-BE49-F238E27FC236}">
-                <a16:creationId xmlns:a16="http://schemas.microsoft.com/office/drawing/2014/main" id="{A56D7CB0-0515-D9BA-9C7F-26E8159E53D7}"/>
+                <a16:creationId xmlns:a16="http://schemas.microsoft.com/office/drawing/2014/main" id="{B4AD6E1C-EC86-F96E-8B89-0C411E1528FC}"/>
               </a:ext>
             </a:extLst>
           </p:cNvPr>
@@ -2992,7 +2992,7 @@
             </a:lvl1pPr>
           </a:lstStyle>
           <a:p>
-            <a:fld id="{1B52FC27-E7F6-4981-9BAF-7264B551FC58}" type="slidenum">
+            <a:fld id="{AB1A4CDD-CDD3-4C1F-A5F6-9D5C38597D1B}" type="slidenum">
               <a:rPr lang="zh-CN" altLang="en-US" smtClean="0"/>
               <a:t>‹#›</a:t>
             </a:fld>
@@ -3003,7 +3003,7 @@
     </p:spTree>
     <p:extLst>
       <p:ext uri="{BB962C8B-B14F-4D97-AF65-F5344CB8AC3E}">
-        <p14:creationId xmlns:p14="http://schemas.microsoft.com/office/powerpoint/2010/main" val="559215274"/>
+        <p14:creationId xmlns:p14="http://schemas.microsoft.com/office/powerpoint/2010/main" val="3060824083"/>
       </p:ext>
     </p:extLst>
   </p:cSld>
